--- a/RF-RNF/RF-RNF.pptx
+++ b/RF-RNF/RF-RNF.pptx
@@ -282,7 +282,7 @@
       </p15:sldGuideLst>
     </p:ext>
     <p:ext uri="GoogleSlidesCustomDataVersion2">
-      <go:slidesCustomData xmlns="" xmlns:mc="http://schemas.openxmlformats.org/markup-compatibility/2006" xmlns:mv="urn:schemas-microsoft-com:mac:vml" xmlns:c="http://schemas.openxmlformats.org/drawingml/2006/chart" xmlns:dgm="http://schemas.openxmlformats.org/drawingml/2006/diagram" xmlns:o="urn:schemas-microsoft-com:office:office" xmlns:v="urn:schemas-microsoft-com:vml" xmlns:pvml="urn:schemas-microsoft-com:office:powerpoint" xmlns:com="http://schemas.openxmlformats.org/drawingml/2006/compatibility" xmlns:p14="http://schemas.microsoft.com/office/powerpoint/2010/main" xmlns:p15="http://schemas.microsoft.com/office/powerpoint/2012/main" xmlns:ahyp="http://schemas.microsoft.com/office/drawing/2018/hyperlinkcolor" xmlns:go="http://customooxmlschemas.google.com/" r:id="rId21" roundtripDataSignature="AMtx7mj4UghhRUdI6fjnOcBj2qhuHqBvNQ=="/>
+      <go:slidesCustomData xmlns:go="http://customooxmlschemas.google.com/" xmlns:ahyp="http://schemas.microsoft.com/office/drawing/2018/hyperlinkcolor" xmlns:p15="http://schemas.microsoft.com/office/powerpoint/2012/main" xmlns:p14="http://schemas.microsoft.com/office/powerpoint/2010/main" xmlns:com="http://schemas.openxmlformats.org/drawingml/2006/compatibility" xmlns:pvml="urn:schemas-microsoft-com:office:powerpoint" xmlns:v="urn:schemas-microsoft-com:vml" xmlns:o="urn:schemas-microsoft-com:office:office" xmlns:dgm="http://schemas.openxmlformats.org/drawingml/2006/diagram" xmlns:c="http://schemas.openxmlformats.org/drawingml/2006/chart" xmlns:mv="urn:schemas-microsoft-com:mac:vml" xmlns:mc="http://schemas.openxmlformats.org/markup-compatibility/2006" xmlns="" r:id="rId21" roundtripDataSignature="AMtx7mj4UghhRUdI6fjnOcBj2qhuHqBvNQ=="/>
     </p:ext>
   </p:extLst>
 </p:presentation>
@@ -14902,14 +14902,14 @@
           <p:nvPr>
             <p:extLst>
               <p:ext uri="{D42A27DB-BD31-4B8C-83A1-F6EECF244321}">
-                <p14:modId xmlns:p14="http://schemas.microsoft.com/office/powerpoint/2010/main" val="2760949984"/>
+                <p14:modId xmlns:p14="http://schemas.microsoft.com/office/powerpoint/2010/main" val="3662721520"/>
               </p:ext>
             </p:extLst>
           </p:nvPr>
         </p:nvGraphicFramePr>
         <p:xfrm>
           <a:off x="781683" y="1405994"/>
-          <a:ext cx="10509900" cy="5374650"/>
+          <a:ext cx="10509900" cy="4795520"/>
         </p:xfrm>
         <a:graphic>
           <a:graphicData uri="http://schemas.openxmlformats.org/drawingml/2006/table">
@@ -15509,7 +15509,7 @@
                   </a:ext>
                 </a:extLst>
               </a:tr>
-              <a:tr h="383275">
+              <a:tr h="528075">
                 <a:tc>
                   <a:txBody>
                     <a:bodyPr/>
@@ -15529,82 +15529,6 @@
                         <a:t>RNF 7</a:t>
                       </a:r>
                       <a:endParaRPr sz="1800" dirty="0"/>
-                    </a:p>
-                  </a:txBody>
-                  <a:tcPr marL="91450" marR="91450" marT="45725" marB="45725"/>
-                </a:tc>
-                <a:tc>
-                  <a:txBody>
-                    <a:bodyPr/>
-                    <a:lstStyle/>
-                    <a:p>
-                      <a:pPr marL="0" marR="0" lvl="0" indent="0" algn="l" rtl="0">
-                        <a:spcBef>
-                          <a:spcPts val="0"/>
-                        </a:spcBef>
-                        <a:spcAft>
-                          <a:spcPts val="0"/>
-                        </a:spcAft>
-                        <a:buNone/>
-                      </a:pPr>
-                      <a:r>
-                        <a:rPr lang="es-ES" sz="1600" dirty="0"/>
-                        <a:t>El sistema debe contar con tiempos de recuperación ante fallos menores a 5 minutos.</a:t>
-                      </a:r>
-                      <a:endParaRPr sz="1600" dirty="0"/>
-                    </a:p>
-                  </a:txBody>
-                  <a:tcPr marL="91450" marR="91450" marT="45725" marB="45725"/>
-                </a:tc>
-                <a:tc>
-                  <a:txBody>
-                    <a:bodyPr/>
-                    <a:lstStyle/>
-                    <a:p>
-                      <a:pPr marL="0" marR="0" lvl="0" indent="0" algn="ctr" rtl="0">
-                        <a:spcBef>
-                          <a:spcPts val="0"/>
-                        </a:spcBef>
-                        <a:spcAft>
-                          <a:spcPts val="0"/>
-                        </a:spcAft>
-                        <a:buNone/>
-                      </a:pPr>
-                      <a:r>
-                        <a:rPr lang="es-ES" sz="1800" dirty="0"/>
-                        <a:t>Fiabilidad</a:t>
-                      </a:r>
-                      <a:endParaRPr sz="1800" dirty="0"/>
-                    </a:p>
-                  </a:txBody>
-                  <a:tcPr marL="91450" marR="91450" marT="45725" marB="45725"/>
-                </a:tc>
-                <a:extLst>
-                  <a:ext uri="{0D108BD9-81ED-4DB2-BD59-A6C34878D82A}">
-                    <a16:rowId xmlns:a16="http://schemas.microsoft.com/office/drawing/2014/main" val="10007"/>
-                  </a:ext>
-                </a:extLst>
-              </a:tr>
-              <a:tr h="528075">
-                <a:tc>
-                  <a:txBody>
-                    <a:bodyPr/>
-                    <a:lstStyle/>
-                    <a:p>
-                      <a:pPr marL="0" marR="0" lvl="0" indent="0" algn="l" rtl="0">
-                        <a:spcBef>
-                          <a:spcPts val="0"/>
-                        </a:spcBef>
-                        <a:spcAft>
-                          <a:spcPts val="0"/>
-                        </a:spcAft>
-                        <a:buNone/>
-                      </a:pPr>
-                      <a:r>
-                        <a:rPr lang="es-ES" sz="1800"/>
-                        <a:t>RNF 8</a:t>
-                      </a:r>
-                      <a:endParaRPr sz="1800"/>
                     </a:p>
                   </a:txBody>
                   <a:tcPr marL="91450" marR="91450" marT="45725" marB="45725"/>
